--- a/PowerPoint-Presentation/NLP Project Presentation.pptx
+++ b/PowerPoint-Presentation/NLP Project Presentation.pptx
@@ -133,13 +133,7 @@
 <file path=ppt/revisionInfo.xml><?xml version="1.0" encoding="utf-8"?>
 <p1510:revInfo xmlns:a="http://schemas.openxmlformats.org/drawingml/2006/main" xmlns:r="http://schemas.openxmlformats.org/officeDocument/2006/relationships" xmlns:p1510="http://schemas.microsoft.com/office/powerpoint/2015/10/main">
   <p1510:revLst>
-    <p1510:client id="{1BE87172-9958-6076-E51C-716682085F49}" v="899" dt="2025-05-12T19:19:51.547"/>
-    <p1510:client id="{1FCE7380-D516-D810-734D-C5247A9560C9}" v="89" dt="2025-05-12T20:30:09.348"/>
-    <p1510:client id="{4E2D0FED-F248-A368-8EDA-50E78AA32FD2}" v="36" dt="2025-05-12T20:25:49.995"/>
-    <p1510:client id="{9C033377-B20F-DC63-8B99-DDE297C31CEF}" v="12" dt="2025-05-12T17:32:02.271"/>
-    <p1510:client id="{A0B403F4-FB46-A69A-E48E-2430C6A4A83E}" v="269" dt="2025-05-12T16:24:21.546"/>
-    <p1510:client id="{E15B9FD5-489A-FBA3-DDD7-671DA508418E}" v="1209" dt="2025-05-12T18:49:50.901"/>
-    <p1510:client id="{F7DF100D-015A-3CBB-6015-1FFE50501A1F}" v="4150" dt="2025-05-12T16:10:52.879"/>
+    <p1510:client id="{EEB2C31C-E750-A8AD-7CE8-DBBCFB1DBA16}" v="2" dt="2025-05-28T16:51:56.925"/>
   </p1510:revLst>
 </p1510:revInfo>
 </file>
@@ -789,7 +783,7 @@
             <a:fld id="{1E700B27-DE4C-4B9E-BB11-B9027034A00F}" type="datetimeFigureOut">
               <a:rPr lang="en-US" dirty="0"/>
               <a:pPr/>
-              <a:t>5/12/2025</a:t>
+              <a:t>5/28/2025</a:t>
             </a:fld>
             <a:endParaRPr lang="en-US"/>
           </a:p>
@@ -1909,7 +1903,7 @@
           <a:p>
             <a:fld id="{C40F4739-9812-4A9F-890D-2AD6BA5F6EE8}" type="datetimeFigureOut">
               <a:rPr lang="en-US" dirty="0"/>
-              <a:t>5/12/2025</a:t>
+              <a:t>5/28/2025</a:t>
             </a:fld>
             <a:endParaRPr lang="en-US"/>
           </a:p>
@@ -2924,7 +2918,7 @@
           <a:p>
             <a:fld id="{18845AC5-A3F8-44AA-BA8F-596CDCC976D3}" type="datetimeFigureOut">
               <a:rPr lang="en-US" dirty="0"/>
-              <a:t>5/12/2025</a:t>
+              <a:t>5/28/2025</a:t>
             </a:fld>
             <a:endParaRPr lang="en-US"/>
           </a:p>
@@ -4098,7 +4092,7 @@
           <a:p>
             <a:fld id="{C873B183-A821-4095-A363-9EC968635539}" type="datetimeFigureOut">
               <a:rPr lang="en-US" dirty="0"/>
-              <a:t>5/12/2025</a:t>
+              <a:t>5/28/2025</a:t>
             </a:fld>
             <a:endParaRPr lang="en-US"/>
           </a:p>
@@ -5163,7 +5157,7 @@
           <a:p>
             <a:fld id="{174D01B4-0AA5-45E6-B2E6-5FA4078AEBCF}" type="datetimeFigureOut">
               <a:rPr lang="en-US" dirty="0"/>
-              <a:t>5/12/2025</a:t>
+              <a:t>5/28/2025</a:t>
             </a:fld>
             <a:endParaRPr lang="en-US"/>
           </a:p>
@@ -5813,7 +5807,7 @@
           <a:p>
             <a:fld id="{4147335C-0450-40D7-8612-B3203BED4F28}" type="datetimeFigureOut">
               <a:rPr lang="en-US" dirty="0"/>
-              <a:t>5/12/2025</a:t>
+              <a:t>5/28/2025</a:t>
             </a:fld>
             <a:endParaRPr lang="en-US"/>
           </a:p>
@@ -6652,7 +6646,7 @@
           <a:p>
             <a:fld id="{D246A105-2A1C-4284-B4EA-07CF89B1A393}" type="datetimeFigureOut">
               <a:rPr lang="en-US" dirty="0"/>
-              <a:t>5/12/2025</a:t>
+              <a:t>5/28/2025</a:t>
             </a:fld>
             <a:endParaRPr lang="en-US"/>
           </a:p>
@@ -6830,7 +6824,7 @@
           <a:p>
             <a:fld id="{80DBE609-F3F2-45E6-BD6A-E03A8C86C1AE}" type="datetimeFigureOut">
               <a:rPr lang="en-US" dirty="0"/>
-              <a:t>5/12/2025</a:t>
+              <a:t>5/28/2025</a:t>
             </a:fld>
             <a:endParaRPr lang="en-US"/>
           </a:p>
@@ -7831,7 +7825,7 @@
           <a:p>
             <a:fld id="{7A24AD68-089C-4467-A8F3-EA2BBCA6B44E}" type="datetimeFigureOut">
               <a:rPr lang="en-US" dirty="0"/>
-              <a:t>5/12/2025</a:t>
+              <a:t>5/28/2025</a:t>
             </a:fld>
             <a:endParaRPr lang="en-US"/>
           </a:p>
@@ -8040,7 +8034,7 @@
           <a:p>
             <a:fld id="{75C51FCE-E4BB-4680-8E50-3C0E348D2609}" type="datetimeFigureOut">
               <a:rPr lang="en-US" dirty="0"/>
-              <a:t>5/12/2025</a:t>
+              <a:t>5/28/2025</a:t>
             </a:fld>
             <a:endParaRPr lang="en-US"/>
           </a:p>
@@ -9106,7 +9100,7 @@
           <a:p>
             <a:fld id="{8AAA073D-A903-47F8-8D16-77642FB0DF1F}" type="datetimeFigureOut">
               <a:rPr lang="en-US" dirty="0"/>
-              <a:t>5/12/2025</a:t>
+              <a:t>5/28/2025</a:t>
             </a:fld>
             <a:endParaRPr lang="en-US"/>
           </a:p>
@@ -9380,7 +9374,7 @@
           <a:p>
             <a:fld id="{AB91FA40-626B-4CA1-85D0-7A9016E395BA}" type="datetimeFigureOut">
               <a:rPr lang="en-US" dirty="0"/>
-              <a:t>5/12/2025</a:t>
+              <a:t>5/28/2025</a:t>
             </a:fld>
             <a:endParaRPr lang="en-US"/>
           </a:p>
@@ -9764,7 +9758,7 @@
           <a:p>
             <a:fld id="{C3F425EA-B9DC-48A7-991E-9A82573B1B21}" type="datetimeFigureOut">
               <a:rPr lang="en-US" dirty="0"/>
-              <a:t>5/12/2025</a:t>
+              <a:t>5/28/2025</a:t>
             </a:fld>
             <a:endParaRPr lang="en-US"/>
           </a:p>
@@ -9886,7 +9880,7 @@
           <a:p>
             <a:fld id="{66CB97F8-6CEB-469B-AFCC-889F2A2B1D5A}" type="datetimeFigureOut">
               <a:rPr lang="en-US" dirty="0"/>
-              <a:t>5/12/2025</a:t>
+              <a:t>5/28/2025</a:t>
             </a:fld>
             <a:endParaRPr lang="en-US"/>
           </a:p>
@@ -9986,7 +9980,7 @@
           <a:p>
             <a:fld id="{8FA9179F-009E-4FA5-B091-7EBB82A185BD}" type="datetimeFigureOut">
               <a:rPr lang="en-US" dirty="0"/>
-              <a:t>5/12/2025</a:t>
+              <a:t>5/28/2025</a:t>
             </a:fld>
             <a:endParaRPr lang="en-US"/>
           </a:p>
@@ -11098,7 +11092,7 @@
           <a:p>
             <a:fld id="{8E665CEB-0076-4E37-B880-BCEA9784DE0A}" type="datetimeFigureOut">
               <a:rPr lang="en-US" dirty="0"/>
-              <a:t>5/12/2025</a:t>
+              <a:t>5/28/2025</a:t>
             </a:fld>
             <a:endParaRPr lang="en-US"/>
           </a:p>
@@ -12231,7 +12225,7 @@
           <a:p>
             <a:fld id="{A6149E5E-3896-4118-99A7-7B85668F1C5E}" type="datetimeFigureOut">
               <a:rPr lang="en-US" dirty="0"/>
-              <a:t>5/12/2025</a:t>
+              <a:t>5/28/2025</a:t>
             </a:fld>
             <a:endParaRPr lang="en-US"/>
           </a:p>
@@ -13262,7 +13256,7 @@
           <a:p>
             <a:fld id="{7E0D914D-B099-4142-A885-11F276715148}" type="datetimeFigureOut">
               <a:rPr lang="en-US" dirty="0"/>
-              <a:t>5/12/2025</a:t>
+              <a:t>5/28/2025</a:t>
             </a:fld>
             <a:endParaRPr lang="en-US"/>
           </a:p>
@@ -13926,7 +13920,7 @@
           <a:lstStyle/>
           <a:p>
             <a:r>
-              <a:rPr lang="en-US" dirty="0" err="1">
+              <a:rPr lang="en-US" err="1">
                 <a:solidFill>
                   <a:schemeClr val="bg1"/>
                 </a:solidFill>
@@ -13934,7 +13928,7 @@
               <a:t>Bucă</a:t>
             </a:r>
             <a:r>
-              <a:rPr lang="en-US" dirty="0">
+              <a:rPr lang="en-US">
                 <a:solidFill>
                   <a:schemeClr val="bg1"/>
                 </a:solidFill>
@@ -13942,14 +13936,14 @@
               <a:t> Mihnea-</a:t>
             </a:r>
             <a:r>
-              <a:rPr lang="en-US" dirty="0" err="1">
+              <a:rPr lang="en-US" err="1">
                 <a:solidFill>
                   <a:schemeClr val="bg1"/>
                 </a:solidFill>
               </a:rPr>
               <a:t>Vicențiu</a:t>
             </a:r>
-            <a:endParaRPr lang="en-US" dirty="0">
+            <a:endParaRPr lang="en-US">
               <a:solidFill>
                 <a:schemeClr val="bg1"/>
               </a:solidFill>
@@ -13957,7 +13951,7 @@
           </a:p>
           <a:p>
             <a:r>
-              <a:rPr lang="en-US" dirty="0" err="1">
+              <a:rPr lang="en-US" err="1">
                 <a:solidFill>
                   <a:schemeClr val="bg1"/>
                 </a:solidFill>
@@ -13965,7 +13959,7 @@
               <a:t>Căpățînă</a:t>
             </a:r>
             <a:r>
-              <a:rPr lang="en-US" dirty="0">
+              <a:rPr lang="en-US">
                 <a:solidFill>
                   <a:schemeClr val="bg1"/>
                 </a:solidFill>
@@ -13975,7 +13969,7 @@
           </a:p>
           <a:p>
             <a:r>
-              <a:rPr lang="en-US" dirty="0">
+              <a:rPr lang="en-US">
                 <a:solidFill>
                   <a:schemeClr val="bg1"/>
                 </a:solidFill>
@@ -13985,7 +13979,7 @@
           </a:p>
           <a:p>
             <a:r>
-              <a:rPr lang="en-US" dirty="0">
+              <a:rPr lang="en-US">
                 <a:solidFill>
                   <a:schemeClr val="bg1"/>
                 </a:solidFill>
@@ -13993,7 +13987,7 @@
               <a:t>Petre-</a:t>
             </a:r>
             <a:r>
-              <a:rPr lang="en-US" dirty="0" err="1">
+              <a:rPr lang="en-US" err="1">
                 <a:solidFill>
                   <a:schemeClr val="bg1"/>
                 </a:solidFill>
@@ -14001,7 +13995,7 @@
               <a:t>Șoldan</a:t>
             </a:r>
             <a:r>
-              <a:rPr lang="en-US" dirty="0">
+              <a:rPr lang="en-US">
                 <a:solidFill>
                   <a:schemeClr val="bg1"/>
                 </a:solidFill>
@@ -14278,7 +14272,7 @@
             </a:endParaRPr>
           </a:p>
           <a:p>
-            <a:endParaRPr lang="en-GB"/>
+            <a:endParaRPr lang="en-GB" dirty="0"/>
           </a:p>
         </p:txBody>
       </p:sp>
@@ -14309,7 +14303,7 @@
               <a:buNone/>
             </a:pPr>
             <a:r>
-              <a:rPr lang="en-GB" sz="3600">
+              <a:rPr lang="en-GB" sz="3600" dirty="0">
                 <a:solidFill>
                   <a:schemeClr val="tx1"/>
                 </a:solidFill>
@@ -14318,7 +14312,7 @@
               </a:rPr>
               <a:t>Generation Approaches: </a:t>
             </a:r>
-            <a:endParaRPr lang="en-GB" sz="3600">
+            <a:endParaRPr lang="en-GB" sz="3600" dirty="0">
               <a:solidFill>
                 <a:schemeClr val="tx1"/>
               </a:solidFill>
@@ -14326,7 +14320,7 @@
           </a:p>
           <a:p>
             <a:r>
-              <a:rPr lang="en-GB" sz="3600">
+              <a:rPr lang="en-GB" sz="3600" dirty="0">
                 <a:solidFill>
                   <a:schemeClr val="tx1"/>
                 </a:solidFill>
@@ -14335,7 +14329,7 @@
               </a:rPr>
               <a:t>Custom transformer from scratch </a:t>
             </a:r>
-            <a:endParaRPr lang="en-GB" sz="3600">
+            <a:endParaRPr lang="en-GB" sz="3600" dirty="0">
               <a:solidFill>
                 <a:schemeClr val="tx1"/>
               </a:solidFill>
@@ -14343,7 +14337,7 @@
           </a:p>
           <a:p>
             <a:r>
-              <a:rPr lang="en-GB" sz="3600">
+              <a:rPr lang="en-GB" sz="3600" dirty="0">
                 <a:solidFill>
                   <a:schemeClr val="tx1"/>
                 </a:solidFill>
@@ -14352,14 +14346,14 @@
               </a:rPr>
               <a:t>Fine-tune language models (GPT-2, BART</a:t>
             </a:r>
-            <a:endParaRPr lang="en-GB" sz="3600">
+            <a:endParaRPr lang="en-GB" sz="3600" dirty="0">
               <a:solidFill>
                 <a:schemeClr val="tx1"/>
               </a:solidFill>
             </a:endParaRPr>
           </a:p>
           <a:p>
-            <a:endParaRPr lang="en-GB" sz="3600">
+            <a:endParaRPr lang="en-GB" sz="3600" dirty="0">
               <a:solidFill>
                 <a:schemeClr val="tx1"/>
               </a:solidFill>
@@ -15368,7 +15362,7 @@
           <a:lstStyle/>
           <a:p>
             <a:r>
-              <a:rPr lang="en-GB"/>
+              <a:rPr lang="en-GB" dirty="0"/>
               <a:t>Conclusions</a:t>
             </a:r>
           </a:p>
@@ -15408,7 +15402,7 @@
               </a:spcBef>
             </a:pPr>
             <a:r>
-              <a:rPr lang="en-US" sz="2000">
+              <a:rPr lang="en-US" sz="2000" dirty="0">
                 <a:solidFill>
                   <a:schemeClr val="tx1"/>
                 </a:solidFill>
@@ -15423,7 +15417,7 @@
               </a:spcBef>
             </a:pPr>
             <a:r>
-              <a:rPr lang="en-US" sz="2000">
+              <a:rPr lang="en-US" sz="2000" dirty="0">
                 <a:solidFill>
                   <a:schemeClr val="tx1"/>
                 </a:solidFill>
@@ -15438,7 +15432,7 @@
               </a:spcBef>
             </a:pPr>
             <a:r>
-              <a:rPr lang="en-US" sz="2000">
+              <a:rPr lang="en-US" sz="2000" dirty="0">
                 <a:solidFill>
                   <a:schemeClr val="tx1"/>
                 </a:solidFill>
@@ -15452,7 +15446,7 @@
                 <a:spcPts val="0"/>
               </a:spcBef>
             </a:pPr>
-            <a:endParaRPr lang="en-US" sz="2000">
+            <a:endParaRPr lang="en-US" sz="2000" dirty="0">
               <a:solidFill>
                 <a:schemeClr val="tx1"/>
               </a:solidFill>
@@ -15464,7 +15458,7 @@
                 <a:spcPts val="0"/>
               </a:spcBef>
             </a:pPr>
-            <a:endParaRPr lang="en-US" sz="2000">
+            <a:endParaRPr lang="en-US" sz="2000" dirty="0">
               <a:solidFill>
                 <a:schemeClr val="tx1"/>
               </a:solidFill>
@@ -15476,14 +15470,14 @@
                 <a:spcPts val="0"/>
               </a:spcBef>
             </a:pPr>
-            <a:endParaRPr lang="en-US" sz="2000">
+            <a:endParaRPr lang="en-US" sz="2000" dirty="0">
               <a:solidFill>
                 <a:schemeClr val="tx1"/>
               </a:solidFill>
             </a:endParaRPr>
           </a:p>
           <a:p>
-            <a:endParaRPr lang="en-GB" sz="2000">
+            <a:endParaRPr lang="en-GB" sz="2000" dirty="0">
               <a:solidFill>
                 <a:schemeClr val="tx1"/>
               </a:solidFill>
@@ -15543,7 +15537,7 @@
           <a:lstStyle/>
           <a:p>
             <a:r>
-              <a:rPr lang="en-GB"/>
+              <a:rPr lang="en-GB" dirty="0"/>
               <a:t>Limitations</a:t>
             </a:r>
           </a:p>
@@ -15584,14 +15578,14 @@
               <a:buNone/>
             </a:pPr>
             <a:r>
-              <a:rPr lang="en-US" sz="2000" b="1">
+              <a:rPr lang="en-US" sz="2000" b="1" dirty="0">
                 <a:solidFill>
                   <a:srgbClr val="000000"/>
                 </a:solidFill>
               </a:rPr>
               <a:t>Language and Cultural Scope:</a:t>
             </a:r>
-            <a:endParaRPr lang="en-US" sz="2000">
+            <a:endParaRPr lang="en-US" sz="2000" dirty="0">
               <a:solidFill>
                 <a:srgbClr val="000000"/>
               </a:solidFill>
@@ -15604,7 +15598,7 @@
               </a:spcBef>
             </a:pPr>
             <a:r>
-              <a:rPr lang="en-US" sz="2000">
+              <a:rPr lang="en-US" sz="2000" dirty="0">
                 <a:solidFill>
                   <a:srgbClr val="000000"/>
                 </a:solidFill>
@@ -15620,14 +15614,14 @@
               <a:buNone/>
             </a:pPr>
             <a:r>
-              <a:rPr lang="en-US" sz="2000" b="1">
+              <a:rPr lang="en-US" sz="2000" b="1" dirty="0">
                 <a:solidFill>
                   <a:srgbClr val="000000"/>
                 </a:solidFill>
               </a:rPr>
               <a:t>Dataset Biases:</a:t>
             </a:r>
-            <a:endParaRPr lang="en-US" sz="2000">
+            <a:endParaRPr lang="en-US" sz="2000" dirty="0">
               <a:solidFill>
                 <a:srgbClr val="000000"/>
               </a:solidFill>
@@ -15640,7 +15634,7 @@
               </a:spcBef>
             </a:pPr>
             <a:r>
-              <a:rPr lang="en-US" sz="2000">
+              <a:rPr lang="en-US" sz="2000" dirty="0">
                 <a:solidFill>
                   <a:srgbClr val="000000"/>
                 </a:solidFill>
@@ -15656,14 +15650,14 @@
               <a:buNone/>
             </a:pPr>
             <a:r>
-              <a:rPr lang="en-US" sz="2000" b="1">
+              <a:rPr lang="en-US" sz="2000" b="1" dirty="0">
                 <a:solidFill>
                   <a:srgbClr val="000000"/>
                 </a:solidFill>
               </a:rPr>
               <a:t>Compute Requirements:</a:t>
             </a:r>
-            <a:endParaRPr lang="en-US" sz="2000">
+            <a:endParaRPr lang="en-US" sz="2000" dirty="0">
               <a:solidFill>
                 <a:srgbClr val="000000"/>
               </a:solidFill>
@@ -15676,7 +15670,7 @@
               </a:spcBef>
             </a:pPr>
             <a:r>
-              <a:rPr lang="en-US" sz="2000">
+              <a:rPr lang="en-US" sz="2000" dirty="0">
                 <a:solidFill>
                   <a:srgbClr val="000000"/>
                 </a:solidFill>
@@ -15691,7 +15685,7 @@
               </a:spcBef>
             </a:pPr>
             <a:r>
-              <a:rPr lang="en-US" sz="2000">
+              <a:rPr lang="en-US" sz="2000" dirty="0">
                 <a:solidFill>
                   <a:srgbClr val="000000"/>
                 </a:solidFill>
@@ -15707,14 +15701,14 @@
               <a:buNone/>
             </a:pPr>
             <a:r>
-              <a:rPr lang="en-US" sz="2000" b="1">
+              <a:rPr lang="en-US" sz="2000" b="1" dirty="0">
                 <a:solidFill>
                   <a:srgbClr val="000000"/>
                 </a:solidFill>
               </a:rPr>
               <a:t>Evaluation Metrics:</a:t>
             </a:r>
-            <a:endParaRPr lang="en-US" sz="2000">
+            <a:endParaRPr lang="en-US" sz="2000" dirty="0">
               <a:solidFill>
                 <a:srgbClr val="000000"/>
               </a:solidFill>
@@ -15727,7 +15721,7 @@
               </a:spcBef>
             </a:pPr>
             <a:r>
-              <a:rPr lang="en-US" sz="2000">
+              <a:rPr lang="en-US" sz="2000" dirty="0">
                 <a:solidFill>
                   <a:srgbClr val="000000"/>
                 </a:solidFill>
@@ -15741,14 +15735,14 @@
                 <a:spcPts val="0"/>
               </a:spcBef>
             </a:pPr>
-            <a:endParaRPr lang="en-US" sz="2000">
+            <a:endParaRPr lang="en-US" sz="2000" dirty="0">
               <a:solidFill>
                 <a:srgbClr val="000000"/>
               </a:solidFill>
             </a:endParaRPr>
           </a:p>
           <a:p>
-            <a:endParaRPr lang="en-GB" sz="2000"/>
+            <a:endParaRPr lang="en-GB" sz="2000" dirty="0"/>
           </a:p>
         </p:txBody>
       </p:sp>
@@ -16293,7 +16287,7 @@
           </a:p>
           <a:p>
             <a:r>
-              <a:rPr lang="en-GB" sz="2800" dirty="0">
+              <a:rPr lang="en-GB" sz="2800">
                 <a:solidFill>
                   <a:schemeClr val="tx1"/>
                 </a:solidFill>
@@ -16302,7 +16296,7 @@
               </a:rPr>
               <a:t>assign a score between [0, 1] for each text </a:t>
             </a:r>
-            <a:endParaRPr lang="en-US" sz="2800" dirty="0">
+            <a:endParaRPr lang="en-US" sz="2800">
               <a:solidFill>
                 <a:schemeClr val="tx1"/>
               </a:solidFill>
@@ -16310,7 +16304,7 @@
           </a:p>
           <a:p>
             <a:r>
-              <a:rPr lang="en-GB" sz="2800" dirty="0">
+              <a:rPr lang="en-GB" sz="2800">
                 <a:solidFill>
                   <a:schemeClr val="tx1"/>
                 </a:solidFill>
@@ -16319,7 +16313,7 @@
               </a:rPr>
               <a:t>non-jokes receive a score of 0, while jokes have a score &gt; 0 </a:t>
             </a:r>
-            <a:endParaRPr lang="en-US" sz="2800" dirty="0">
+            <a:endParaRPr lang="en-US" sz="2800">
               <a:solidFill>
                 <a:schemeClr val="tx1"/>
               </a:solidFill>
@@ -16327,7 +16321,7 @@
           </a:p>
           <a:p>
             <a:r>
-              <a:rPr lang="en-GB" sz="2800" dirty="0">
+              <a:rPr lang="en-GB" sz="2800">
                 <a:solidFill>
                   <a:schemeClr val="tx1"/>
                 </a:solidFill>
@@ -16336,7 +16330,7 @@
               </a:rPr>
               <a:t>higher scores means more humorous samples </a:t>
             </a:r>
-            <a:endParaRPr lang="en-GB" sz="2800" dirty="0">
+            <a:endParaRPr lang="en-GB" sz="2800">
               <a:solidFill>
                 <a:schemeClr val="tx1"/>
               </a:solidFill>
@@ -16409,36 +16403,36 @@
               <a:buNone/>
             </a:pPr>
             <a:r>
-              <a:rPr lang="en-GB" sz="3600" dirty="0">
+              <a:rPr lang="en-GB" sz="3600">
                 <a:ea typeface="+mn-lt"/>
                 <a:cs typeface="+mn-lt"/>
               </a:rPr>
               <a:t>Classification Approaches:</a:t>
             </a:r>
-            <a:endParaRPr lang="en-US" sz="3600" dirty="0">
+            <a:endParaRPr lang="en-US" sz="3600">
               <a:ea typeface="+mn-lt"/>
               <a:cs typeface="+mn-lt"/>
             </a:endParaRPr>
           </a:p>
           <a:p>
             <a:r>
-              <a:rPr lang="en-GB" sz="3600" dirty="0">
+              <a:rPr lang="en-GB" sz="3600">
                 <a:ea typeface="+mn-lt"/>
                 <a:cs typeface="+mn-lt"/>
               </a:rPr>
               <a:t>Train model architecture from scratch (TF-IDF + Neural Network) </a:t>
             </a:r>
-            <a:endParaRPr lang="en-US" sz="3600" dirty="0"/>
-          </a:p>
-          <a:p>
-            <a:r>
-              <a:rPr lang="en-GB" sz="3600" dirty="0">
+            <a:endParaRPr lang="en-US" sz="3600"/>
+          </a:p>
+          <a:p>
+            <a:r>
+              <a:rPr lang="en-GB" sz="3600">
                 <a:ea typeface="+mn-lt"/>
                 <a:cs typeface="+mn-lt"/>
               </a:rPr>
               <a:t>Fine-tune language model (BERT)</a:t>
             </a:r>
-            <a:endParaRPr lang="en-GB" sz="3600" dirty="0"/>
+            <a:endParaRPr lang="en-GB" sz="3600"/>
           </a:p>
           <a:p>
             <a:endParaRPr lang="en-GB"/>
@@ -17376,17 +17370,37 @@
           <a:lstStyle/>
           <a:p>
             <a:r>
-              <a:rPr lang="en-GB">
+              <a:rPr lang="en-GB" dirty="0">
                 <a:solidFill>
                   <a:schemeClr val="tx1"/>
                 </a:solidFill>
                 <a:ea typeface="+mn-lt"/>
                 <a:cs typeface="+mn-lt"/>
               </a:rPr>
-              <a:t>Fine-tune pre-trained bert-base-uncased7 model to predict continuous </a:t>
-            </a:r>
-            <a:r>
-              <a:rPr lang="en-GB" err="1">
+              <a:t>Fine-tune pre-trained </a:t>
+            </a:r>
+            <a:r>
+              <a:rPr lang="en-GB" dirty="0" err="1">
+                <a:solidFill>
+                  <a:schemeClr val="tx1"/>
+                </a:solidFill>
+                <a:ea typeface="+mn-lt"/>
+                <a:cs typeface="+mn-lt"/>
+              </a:rPr>
+              <a:t>bert</a:t>
+            </a:r>
+            <a:r>
+              <a:rPr lang="en-GB" dirty="0">
+                <a:solidFill>
+                  <a:schemeClr val="tx1"/>
+                </a:solidFill>
+                <a:ea typeface="+mn-lt"/>
+                <a:cs typeface="+mn-lt"/>
+              </a:rPr>
+              <a:t>-base-uncased model to predict continuous </a:t>
+            </a:r>
+            <a:r>
+              <a:rPr lang="en-GB" dirty="0" err="1">
                 <a:solidFill>
                   <a:schemeClr val="tx1"/>
                 </a:solidFill>
@@ -17396,7 +17410,7 @@
               <a:t>humor</a:t>
             </a:r>
             <a:r>
-              <a:rPr lang="en-GB">
+              <a:rPr lang="en-GB" dirty="0">
                 <a:solidFill>
                   <a:schemeClr val="tx1"/>
                 </a:solidFill>
@@ -17408,7 +17422,7 @@
           </a:p>
           <a:p>
             <a:r>
-              <a:rPr lang="en-GB">
+              <a:rPr lang="en-GB" dirty="0">
                 <a:solidFill>
                   <a:schemeClr val="tx1"/>
                 </a:solidFill>
@@ -17418,7 +17432,7 @@
               <a:t>After minimal cleaning, each joke is tokenized into 64 </a:t>
             </a:r>
             <a:r>
-              <a:rPr lang="en-GB" err="1">
+              <a:rPr lang="en-GB" dirty="0" err="1">
                 <a:solidFill>
                   <a:schemeClr val="tx1"/>
                 </a:solidFill>
@@ -17428,7 +17442,7 @@
               <a:t>subword</a:t>
             </a:r>
             <a:r>
-              <a:rPr lang="en-GB">
+              <a:rPr lang="en-GB" dirty="0">
                 <a:solidFill>
                   <a:schemeClr val="tx1"/>
                 </a:solidFill>
@@ -17440,7 +17454,7 @@
           </a:p>
           <a:p>
             <a:r>
-              <a:rPr lang="en-GB">
+              <a:rPr lang="en-GB" dirty="0">
                 <a:solidFill>
                   <a:schemeClr val="tx1"/>
                 </a:solidFill>
@@ -17450,7 +17464,7 @@
               <a:t>Replaced BERT’s classification head with a single linear output and train for 3–5 epochs using </a:t>
             </a:r>
             <a:r>
-              <a:rPr lang="en-GB" err="1">
+              <a:rPr lang="en-GB" dirty="0" err="1">
                 <a:solidFill>
                   <a:schemeClr val="tx1"/>
                 </a:solidFill>
@@ -17460,7 +17474,7 @@
               <a:t>AdamW</a:t>
             </a:r>
             <a:r>
-              <a:rPr lang="en-GB">
+              <a:rPr lang="en-GB" dirty="0">
                 <a:solidFill>
                   <a:schemeClr val="tx1"/>
                 </a:solidFill>
@@ -17470,7 +17484,7 @@
               <a:t> (</a:t>
             </a:r>
             <a:r>
-              <a:rPr lang="en-GB" err="1">
+              <a:rPr lang="en-GB" dirty="0" err="1">
                 <a:solidFill>
                   <a:schemeClr val="tx1"/>
                 </a:solidFill>
@@ -17480,7 +17494,7 @@
               <a:t>lr</a:t>
             </a:r>
             <a:r>
-              <a:rPr lang="en-GB">
+              <a:rPr lang="en-GB" dirty="0">
                 <a:solidFill>
                   <a:schemeClr val="tx1"/>
                 </a:solidFill>
@@ -17492,7 +17506,7 @@
           </a:p>
           <a:p>
             <a:r>
-              <a:rPr lang="en-GB">
+              <a:rPr lang="en-GB" dirty="0">
                 <a:solidFill>
                   <a:schemeClr val="tx1"/>
                 </a:solidFill>
@@ -17504,7 +17518,7 @@
           </a:p>
           <a:p>
             <a:r>
-              <a:rPr lang="en-GB">
+              <a:rPr lang="en-GB" dirty="0">
                 <a:solidFill>
                   <a:schemeClr val="tx1"/>
                 </a:solidFill>
@@ -17514,7 +17528,7 @@
               <a:t>This pipeline leverages contextual embeddings to capture semantic and pragmatic </a:t>
             </a:r>
             <a:r>
-              <a:rPr lang="en-GB" err="1">
+              <a:rPr lang="en-GB" dirty="0" err="1">
                 <a:solidFill>
                   <a:schemeClr val="tx1"/>
                 </a:solidFill>
@@ -17524,7 +17538,7 @@
               <a:t>humor</a:t>
             </a:r>
             <a:r>
-              <a:rPr lang="en-GB">
+              <a:rPr lang="en-GB" dirty="0">
                 <a:solidFill>
                   <a:schemeClr val="tx1"/>
                 </a:solidFill>
@@ -17533,7 +17547,7 @@
               </a:rPr>
               <a:t> cues that sparse models cannot</a:t>
             </a:r>
-            <a:endParaRPr lang="en-GB">
+            <a:endParaRPr lang="en-GB" dirty="0">
               <a:solidFill>
                 <a:schemeClr val="tx1"/>
               </a:solidFill>
